--- a/Licenta2017NastacaGheorghita/Prezentare.pptx
+++ b/Licenta2017NastacaGheorghita/Prezentare.pptx
@@ -167,8 +167,8 @@
           <c:layoutTarget val="inner"/>
           <c:xMode val="edge"/>
           <c:yMode val="edge"/>
-          <c:x val="0.1097732400674799"/>
-          <c:y val="0.17187159297395493"/>
+          <c:x val="0.10977324006748004"/>
+          <c:y val="0.17187159297395482"/>
           <c:w val="0.82894030064423763"/>
           <c:h val="0.64411494717006523"/>
         </c:manualLayout>
@@ -227,19 +227,19 @@
                   <c:v>16.31842142857143</c:v>
                 </c:pt>
                 <c:pt idx="3">
-                  <c:v>20.972499999999982</c:v>
+                  <c:v>20.972499999999968</c:v>
                 </c:pt>
               </c:numCache>
             </c:numRef>
           </c:val>
         </c:ser>
         <c:shape val="cylinder"/>
-        <c:axId val="78625408"/>
-        <c:axId val="77648640"/>
+        <c:axId val="90129536"/>
+        <c:axId val="90131456"/>
         <c:axId val="0"/>
       </c:bar3DChart>
       <c:catAx>
-        <c:axId val="78625408"/>
+        <c:axId val="90129536"/>
         <c:scaling>
           <c:orientation val="minMax"/>
         </c:scaling>
@@ -264,14 +264,14 @@
           <c:layout/>
         </c:title>
         <c:tickLblPos val="nextTo"/>
-        <c:crossAx val="77648640"/>
+        <c:crossAx val="90131456"/>
         <c:crosses val="autoZero"/>
         <c:auto val="1"/>
         <c:lblAlgn val="ctr"/>
         <c:lblOffset val="100"/>
       </c:catAx>
       <c:valAx>
-        <c:axId val="77648640"/>
+        <c:axId val="90131456"/>
         <c:scaling>
           <c:orientation val="minMax"/>
           <c:min val="10"/>
@@ -315,7 +315,7 @@
         </c:title>
         <c:numFmt formatCode="General" sourceLinked="1"/>
         <c:tickLblPos val="nextTo"/>
-        <c:crossAx val="78625408"/>
+        <c:crossAx val="90129536"/>
         <c:crosses val="autoZero"/>
         <c:crossBetween val="between"/>
         <c:majorUnit val="3"/>
@@ -353,7 +353,14 @@
           </a:p>
         </c:rich>
       </c:tx>
-      <c:layout/>
+      <c:layout>
+        <c:manualLayout>
+          <c:xMode val="edge"/>
+          <c:yMode val="edge"/>
+          <c:x val="0.24194349825782849"/>
+          <c:y val="2.3522482492420015E-2"/>
+        </c:manualLayout>
+      </c:layout>
       <c:overlay val="1"/>
     </c:title>
     <c:view3D>
@@ -366,7 +373,7 @@
           <c:xMode val="edge"/>
           <c:yMode val="edge"/>
           <c:x val="0.16568978173502971"/>
-          <c:y val="0.15631802947708484"/>
+          <c:y val="0.15631802947708495"/>
           <c:w val="0.83431021826497065"/>
           <c:h val="0.6594617488008786"/>
         </c:manualLayout>
@@ -451,7 +458,7 @@
                   <c:v>1524.8692857142855</c:v>
                 </c:pt>
                 <c:pt idx="2">
-                  <c:v>1533.6321428571412</c:v>
+                  <c:v>1533.6321428571398</c:v>
                 </c:pt>
                 <c:pt idx="3">
                   <c:v>1541.8992857142857</c:v>
@@ -461,12 +468,12 @@
           </c:val>
         </c:ser>
         <c:shape val="cylinder"/>
-        <c:axId val="80099584"/>
-        <c:axId val="80105856"/>
+        <c:axId val="66917120"/>
+        <c:axId val="66919040"/>
         <c:axId val="0"/>
       </c:bar3DChart>
       <c:catAx>
-        <c:axId val="80099584"/>
+        <c:axId val="66917120"/>
         <c:scaling>
           <c:orientation val="minMax"/>
         </c:scaling>
@@ -496,20 +503,20 @@
             <c:manualLayout>
               <c:xMode val="edge"/>
               <c:yMode val="edge"/>
-              <c:x val="0.41925444244612325"/>
+              <c:x val="0.41925444244612309"/>
               <c:y val="0.93633278941451248"/>
             </c:manualLayout>
           </c:layout>
         </c:title>
         <c:tickLblPos val="nextTo"/>
-        <c:crossAx val="80105856"/>
+        <c:crossAx val="66919040"/>
         <c:crosses val="autoZero"/>
         <c:auto val="1"/>
         <c:lblAlgn val="ctr"/>
         <c:lblOffset val="100"/>
       </c:catAx>
       <c:valAx>
-        <c:axId val="80105856"/>
+        <c:axId val="66919040"/>
         <c:scaling>
           <c:orientation val="minMax"/>
           <c:min val="1350"/>
@@ -541,7 +548,7 @@
         </c:title>
         <c:numFmt formatCode="General" sourceLinked="1"/>
         <c:tickLblPos val="nextTo"/>
-        <c:crossAx val="80099584"/>
+        <c:crossAx val="66917120"/>
         <c:crosses val="autoZero"/>
         <c:crossBetween val="between"/>
         <c:majorUnit val="70"/>
@@ -636,7 +643,7 @@
             <a:fld id="{A5EE6829-317A-42F2-AC81-0617D628A99E}" type="datetimeFigureOut">
               <a:rPr lang="en-US" smtClean="0"/>
               <a:pPr/>
-              <a:t>6/28/2017</a:t>
+              <a:t>7/2/2017</a:t>
             </a:fld>
             <a:endParaRPr lang="en-US"/>
           </a:p>
@@ -1129,7 +1136,7 @@
             <a:fld id="{7A9DC935-5428-4979-BBD9-F9D1DD8C80D0}" type="datetime1">
               <a:rPr lang="en-US" smtClean="0"/>
               <a:pPr/>
-              <a:t>6/28/2017</a:t>
+              <a:t>7/2/2017</a:t>
             </a:fld>
             <a:endParaRPr lang="en-US" dirty="0"/>
           </a:p>
@@ -1334,7 +1341,7 @@
             <a:fld id="{8DF112BD-0B00-426E-9EEA-96585FF8D59E}" type="datetime1">
               <a:rPr lang="en-US" smtClean="0"/>
               <a:pPr/>
-              <a:t>6/28/2017</a:t>
+              <a:t>7/2/2017</a:t>
             </a:fld>
             <a:endParaRPr lang="en-US" dirty="0"/>
           </a:p>
@@ -1587,7 +1594,7 @@
             <a:fld id="{D41FFA5D-BAE0-4D39-A7FB-69076E92ED9D}" type="datetime1">
               <a:rPr lang="en-US" smtClean="0"/>
               <a:pPr/>
-              <a:t>6/28/2017</a:t>
+              <a:t>7/2/2017</a:t>
             </a:fld>
             <a:endParaRPr lang="en-US" dirty="0"/>
           </a:p>
@@ -1758,7 +1765,7 @@
             <a:fld id="{CF333AF8-945E-475A-BB70-AA9F40FC19AF}" type="datetime1">
               <a:rPr lang="en-US" smtClean="0"/>
               <a:pPr/>
-              <a:t>6/28/2017</a:t>
+              <a:t>7/2/2017</a:t>
             </a:fld>
             <a:endParaRPr lang="en-US" dirty="0"/>
           </a:p>
@@ -2098,7 +2105,7 @@
             <a:fld id="{F3C033A3-9181-4AF2-8D58-A4A1D71E635A}" type="datetime1">
               <a:rPr lang="en-US" smtClean="0"/>
               <a:pPr/>
-              <a:t>6/28/2017</a:t>
+              <a:t>7/2/2017</a:t>
             </a:fld>
             <a:endParaRPr lang="en-US" dirty="0"/>
           </a:p>
@@ -2370,7 +2377,7 @@
             <a:fld id="{04299AA4-A36E-4228-9586-0B7C337E4216}" type="datetime1">
               <a:rPr lang="en-US" smtClean="0"/>
               <a:pPr/>
-              <a:t>6/28/2017</a:t>
+              <a:t>7/2/2017</a:t>
             </a:fld>
             <a:endParaRPr lang="en-US" dirty="0"/>
           </a:p>
@@ -2746,7 +2753,7 @@
             <a:fld id="{83767CCC-145D-432F-BFE5-543567A730AC}" type="datetime1">
               <a:rPr lang="en-US" smtClean="0"/>
               <a:pPr/>
-              <a:t>6/28/2017</a:t>
+              <a:t>7/2/2017</a:t>
             </a:fld>
             <a:endParaRPr lang="en-US" dirty="0"/>
           </a:p>
@@ -2861,7 +2868,7 @@
             <a:fld id="{213E35E0-AC22-4DD5-A786-CBF48FFC702F}" type="datetime1">
               <a:rPr lang="en-US" smtClean="0"/>
               <a:pPr/>
-              <a:t>6/28/2017</a:t>
+              <a:t>7/2/2017</a:t>
             </a:fld>
             <a:endParaRPr lang="en-US" dirty="0"/>
           </a:p>
@@ -3029,7 +3036,7 @@
             <a:fld id="{5238AEFB-E5E1-4D10-BC9E-BC19425D1D25}" type="datetime1">
               <a:rPr lang="en-US" smtClean="0"/>
               <a:pPr/>
-              <a:t>6/28/2017</a:t>
+              <a:t>7/2/2017</a:t>
             </a:fld>
             <a:endParaRPr lang="en-US" dirty="0"/>
           </a:p>
@@ -3380,7 +3387,7 @@
             <a:fld id="{2893B434-1C28-436D-98D0-18D964556914}" type="datetime1">
               <a:rPr lang="en-US" smtClean="0"/>
               <a:pPr/>
-              <a:t>6/28/2017</a:t>
+              <a:t>7/2/2017</a:t>
             </a:fld>
             <a:endParaRPr lang="en-US" dirty="0"/>
           </a:p>
@@ -3756,7 +3763,7 @@
             <a:fld id="{0F1372C5-3CFA-4927-8512-3E5F2536E263}" type="datetime1">
               <a:rPr lang="en-US" smtClean="0"/>
               <a:pPr/>
-              <a:t>6/28/2017</a:t>
+              <a:t>7/2/2017</a:t>
             </a:fld>
             <a:endParaRPr lang="en-US" dirty="0"/>
           </a:p>
@@ -4040,7 +4047,7 @@
             <a:fld id="{D2D41E47-DD1A-4536-9A2F-A7054677C47B}" type="datetime1">
               <a:rPr lang="en-US" smtClean="0"/>
               <a:pPr/>
-              <a:t>6/28/2017</a:t>
+              <a:t>7/2/2017</a:t>
             </a:fld>
             <a:endParaRPr lang="en-US" dirty="0"/>
           </a:p>
@@ -4655,7 +4662,7 @@
     </p:spTree>
     <p:extLst>
       <p:ext uri="{BB962C8B-B14F-4D97-AF65-F5344CB8AC3E}">
-        <p14:creationId xmlns:p14="http://schemas.microsoft.com/office/powerpoint/2010/main" xmlns="" val="2929381990"/>
+        <p14:creationId xmlns="" xmlns:p14="http://schemas.microsoft.com/office/powerpoint/2010/main" val="2929381990"/>
       </p:ext>
     </p:extLst>
   </p:cSld>
@@ -5045,19 +5052,22 @@
         </p:nvSpPr>
         <p:spPr>
           <a:xfrm>
-            <a:off x="457200" y="2743200"/>
-            <a:ext cx="3200400" cy="3562004"/>
+            <a:off x="326572" y="2403566"/>
+            <a:ext cx="3370217" cy="3562004"/>
           </a:xfrm>
         </p:spPr>
         <p:txBody>
-          <a:bodyPr/>
+          <a:bodyPr>
+            <a:normAutofit lnSpcReduction="10000"/>
+          </a:bodyPr>
           <a:lstStyle/>
           <a:p>
             <a:pPr algn="just"/>
             <a:r>
-              <a:rPr lang="ro-RO" dirty="0" smtClean="0"/>
+              <a:rPr lang="ro-RO" sz="1800" dirty="0" smtClean="0"/>
               <a:t>Populația se împarte la numărul de calculatoare din cluster. </a:t>
             </a:r>
+            <a:endParaRPr lang="en-US" sz="1800" dirty="0" smtClean="0"/>
           </a:p>
           <a:p>
             <a:pPr algn="just"/>
@@ -5066,14 +5076,23 @@
           <a:p>
             <a:pPr algn="just"/>
             <a:r>
-              <a:rPr lang="ro-RO" dirty="0" smtClean="0"/>
-              <a:t>Legătura dintre interfață și server este securizată prin intermediul protocolului de securitate SSL(Secure Socket Layers)</a:t>
+              <a:rPr lang="ro-RO" sz="1800" dirty="0" smtClean="0"/>
+              <a:t>Legătura dintre interfață și server este securizată prin intermediul protocolului de securitate SSL(Secure Socket Layers</a:t>
             </a:r>
+            <a:r>
+              <a:rPr lang="ro-RO" sz="1800" dirty="0" smtClean="0"/>
+              <a:t>)</a:t>
+            </a:r>
+            <a:endParaRPr lang="en-US" sz="1800" dirty="0" smtClean="0"/>
+          </a:p>
+          <a:p>
+            <a:pPr algn="just"/>
+            <a:endParaRPr lang="ro-RO" sz="1800" dirty="0" smtClean="0"/>
           </a:p>
           <a:p>
             <a:pPr algn="just"/>
             <a:r>
-              <a:rPr lang="ro-RO" dirty="0" smtClean="0"/>
+              <a:rPr lang="ro-RO" sz="1800" dirty="0" smtClean="0"/>
               <a:t>Un individ poate să migreze la un monet dat de pe un calculator pe altul. Se observă că legăturile din cluster formează un graf complet</a:t>
             </a:r>
           </a:p>
@@ -25111,7 +25130,23 @@
           <a:p>
             <a:r>
               <a:rPr lang="ro-RO" dirty="0" smtClean="0"/>
-              <a:t>Determinarea traseului minim care trece  prin toate capitalele țărilor din US.</a:t>
+              <a:t>Determinarea traseului minim care trece  prin toate capitalele </a:t>
+            </a:r>
+            <a:r>
+              <a:rPr lang="en-US" dirty="0" err="1" smtClean="0"/>
+              <a:t>statelor</a:t>
+            </a:r>
+            <a:r>
+              <a:rPr lang="ro-RO" dirty="0" smtClean="0"/>
+              <a:t> din</a:t>
+            </a:r>
+            <a:r>
+              <a:rPr lang="en-US" dirty="0" smtClean="0"/>
+              <a:t> SUA</a:t>
+            </a:r>
+            <a:r>
+              <a:rPr lang="ro-RO" dirty="0" smtClean="0"/>
+              <a:t>.</a:t>
             </a:r>
             <a:endParaRPr lang="en-US" dirty="0"/>
           </a:p>
@@ -25569,11 +25604,7 @@
             </a:r>
             <a:r>
               <a:rPr lang="ro-RO" dirty="0" smtClean="0"/>
-              <a:t>ă dețină un loc bine definit în procesul de dezvoltare al produselor software</a:t>
-            </a:r>
-            <a:r>
-              <a:rPr lang="ro-RO" dirty="0" smtClean="0"/>
-              <a:t>.</a:t>
+              <a:t>ă dețină un loc bine definit în procesul de dezvoltare al produselor software.</a:t>
             </a:r>
             <a:endParaRPr lang="en-US" dirty="0" smtClean="0"/>
           </a:p>
@@ -25624,11 +25655,7 @@
             </a:r>
             <a:r>
               <a:rPr lang="en-US" dirty="0" err="1" smtClean="0"/>
-              <a:t>produ</a:t>
-            </a:r>
-            <a:r>
-              <a:rPr lang="en-US" dirty="0" err="1" smtClean="0"/>
-              <a:t>s</a:t>
+              <a:t>produs</a:t>
             </a:r>
             <a:r>
               <a:rPr lang="en-US" dirty="0" smtClean="0"/>
@@ -25662,7 +25689,6 @@
               <a:rPr lang="ro-RO" dirty="0" smtClean="0"/>
               <a:t>uționa o problemă foarte rapid.</a:t>
             </a:r>
-            <a:endParaRPr lang="ro-RO" dirty="0" smtClean="0"/>
           </a:p>
           <a:p>
             <a:pPr>
@@ -26093,14 +26119,6 @@
               </a:rPr>
               <a:t>ptimizare</a:t>
             </a:r>
-            <a:endParaRPr lang="ro-RO" dirty="0" smtClean="0">
-              <a:solidFill>
-                <a:schemeClr val="tx1">
-                  <a:lumMod val="65000"/>
-                  <a:lumOff val="35000"/>
-                </a:schemeClr>
-              </a:solidFill>
-            </a:endParaRPr>
           </a:p>
           <a:p>
             <a:pPr>
@@ -26155,18 +26173,7 @@
                   </a:schemeClr>
                 </a:solidFill>
               </a:rPr>
-              <a:t>Tehnici de optimizare aplicate și </a:t>
-            </a:r>
-            <a:r>
-              <a:rPr lang="ro-RO" dirty="0" smtClean="0">
-                <a:solidFill>
-                  <a:schemeClr val="tx1">
-                    <a:lumMod val="65000"/>
-                    <a:lumOff val="35000"/>
-                  </a:schemeClr>
-                </a:solidFill>
-              </a:rPr>
-              <a:t>îmbunătățir</a:t>
+              <a:t>Tehnici de optimizare aplicate și îmbunătățir</a:t>
             </a:r>
             <a:r>
               <a:rPr lang="en-US" dirty="0" err="1" smtClean="0">
@@ -29049,14 +29056,16 @@
           </a:xfrm>
         </p:spPr>
         <p:txBody>
-          <a:bodyPr/>
+          <a:bodyPr>
+            <a:noAutofit/>
+          </a:bodyPr>
           <a:lstStyle/>
           <a:p>
             <a:r>
-              <a:rPr lang="ro-RO" dirty="0" smtClean="0"/>
+              <a:rPr lang="ro-RO" sz="1800" dirty="0" smtClean="0"/>
               <a:t>La generarea  populației se apelează la procesarea pe nuclee.  Fiecare nucleu crează o parte din noua generație.</a:t>
             </a:r>
-            <a:endParaRPr lang="en-US" dirty="0"/>
+            <a:endParaRPr lang="en-US" sz="1800" dirty="0"/>
           </a:p>
         </p:txBody>
       </p:sp>
@@ -32229,7 +32238,7 @@
         <p:spPr>
           <a:xfrm>
             <a:off x="444137" y="5172891"/>
-            <a:ext cx="3148149" cy="715581"/>
+            <a:ext cx="3148149" cy="1089529"/>
           </a:xfrm>
           <a:prstGeom prst="rect">
             <a:avLst/>
@@ -32255,14 +32264,30 @@
               <a:buSzPct val="100000"/>
             </a:pPr>
             <a:r>
-              <a:rPr lang="ro-RO" sz="1500" dirty="0" smtClean="0">
+              <a:rPr lang="ro-RO" dirty="0" smtClean="0">
                 <a:solidFill>
                   <a:srgbClr val="FFFFFF"/>
                 </a:solidFill>
               </a:rPr>
-              <a:t>Fiecare nucleu  are o memorie proprie și o memorie partajată prin care se comunică cu celelalte coruri.</a:t>
+              <a:t>Fiecare nucleu  are o memorie proprie și o memorie partajată prin care se comunică cu celelalte </a:t>
             </a:r>
-            <a:endParaRPr lang="en-US" sz="1500" dirty="0" smtClean="0">
+            <a:r>
+              <a:rPr lang="en-US" dirty="0" err="1" smtClean="0">
+                <a:solidFill>
+                  <a:srgbClr val="FFFFFF"/>
+                </a:solidFill>
+              </a:rPr>
+              <a:t>nuclee</a:t>
+            </a:r>
+            <a:r>
+              <a:rPr lang="ro-RO" dirty="0" smtClean="0">
+                <a:solidFill>
+                  <a:srgbClr val="FFFFFF"/>
+                </a:solidFill>
+              </a:rPr>
+              <a:t>.</a:t>
+            </a:r>
+            <a:endParaRPr lang="en-US" dirty="0" smtClean="0">
               <a:solidFill>
                 <a:srgbClr val="FFFFFF"/>
               </a:solidFill>
@@ -32280,9 +32305,9 @@
           <p:nvPr/>
         </p:nvCxnSpPr>
         <p:spPr>
-          <a:xfrm>
-            <a:off x="3592286" y="5530682"/>
-            <a:ext cx="2309330" cy="137081"/>
+          <a:xfrm flipV="1">
+            <a:off x="3592286" y="5667763"/>
+            <a:ext cx="2309330" cy="49893"/>
           </a:xfrm>
           <a:prstGeom prst="straightConnector1">
             <a:avLst/>
@@ -32317,8 +32342,8 @@
         </p:nvCxnSpPr>
         <p:spPr>
           <a:xfrm>
-            <a:off x="3592286" y="5530682"/>
-            <a:ext cx="2309330" cy="696803"/>
+            <a:off x="3592286" y="5717656"/>
+            <a:ext cx="2309330" cy="509829"/>
           </a:xfrm>
           <a:prstGeom prst="straightConnector1">
             <a:avLst/>
@@ -32351,7 +32376,7 @@
         <p:spPr>
           <a:xfrm>
             <a:off x="470262" y="3788229"/>
-            <a:ext cx="3331029" cy="553998"/>
+            <a:ext cx="3331029" cy="646331"/>
           </a:xfrm>
           <a:prstGeom prst="rect">
             <a:avLst/>
@@ -32365,14 +32390,14 @@
           <a:lstStyle/>
           <a:p>
             <a:r>
-              <a:rPr lang="ro-RO" sz="1500" dirty="0" smtClean="0">
+              <a:rPr lang="ro-RO" dirty="0" smtClean="0">
                 <a:solidFill>
                   <a:srgbClr val="FFFFFF"/>
                 </a:solidFill>
               </a:rPr>
               <a:t>Un procesor poate să dețină mai multe nuclee.</a:t>
             </a:r>
-            <a:endParaRPr lang="en-US" sz="1500" dirty="0" smtClean="0">
+            <a:endParaRPr lang="en-US" dirty="0" smtClean="0">
               <a:solidFill>
                 <a:srgbClr val="FFFFFF"/>
               </a:solidFill>
@@ -32755,7 +32780,7 @@
   <a:extraClrSchemeLst/>
   <a:extLst>
     <a:ext uri="{05A4C25C-085E-4340-85A3-A5531E510DB2}">
-      <thm15:themeFamily xmlns:thm15="http://schemas.microsoft.com/office/thememl/2012/main" xmlns="" name="Retrospect" id="{5F128B03-DCCA-4EEB-AB3B-CF2899314A46}" vid="{3F1AAB62-24C6-49D2-8E01-B56FAC9A3DCD}"/>
+      <thm15:themeFamily xmlns="" xmlns:thm15="http://schemas.microsoft.com/office/thememl/2012/main" name="Retrospect" id="{5F128B03-DCCA-4EEB-AB3B-CF2899314A46}" vid="{3F1AAB62-24C6-49D2-8E01-B56FAC9A3DCD}"/>
     </a:ext>
   </a:extLst>
 </a:theme>
